--- a/quizcram-poster.pptx
+++ b/quizcram-poster.pptx
@@ -3304,15 +3304,7 @@
                   <a:schemeClr val="bg1"/>
                 </a:solidFill>
               </a:rPr>
-              <a:t>Geza </a:t>
-            </a:r>
-            <a:r>
-              <a:rPr lang="en-US" sz="1400" dirty="0" smtClean="0">
-                <a:solidFill>
-                  <a:schemeClr val="bg1"/>
-                </a:solidFill>
-              </a:rPr>
-              <a:t>Kovacs</a:t>
+              <a:t>Geza Kovacs</a:t>
             </a:r>
           </a:p>
           <a:p>
@@ -3474,11 +3466,7 @@
             </a:pPr>
             <a:r>
               <a:rPr lang="en-US" sz="1000" dirty="0" smtClean="0"/>
-              <a:t>      O</a:t>
-            </a:r>
-            <a:r>
-              <a:rPr lang="en-US" sz="1000" dirty="0" smtClean="0"/>
-              <a:t>nly 11% of users who finish watching a lecture ever open it again</a:t>
+              <a:t>      Only 11% of users who finish watching a lecture ever open it again</a:t>
             </a:r>
             <a:endParaRPr lang="en-US" sz="1000" dirty="0"/>
           </a:p>
@@ -3506,7 +3494,7 @@
         </p:blipFill>
         <p:spPr>
           <a:xfrm>
-            <a:off x="183177" y="6007715"/>
+            <a:off x="134331" y="6007715"/>
             <a:ext cx="4021161" cy="736311"/>
           </a:xfrm>
           <a:prstGeom prst="rect">
@@ -3617,11 +3605,7 @@
             </a:pPr>
             <a:r>
               <a:rPr lang="en-US" sz="1000" dirty="0" smtClean="0"/>
-              <a:t>      If you know the answer</a:t>
-            </a:r>
-            <a:r>
-              <a:rPr lang="en-US" sz="1000" dirty="0" smtClean="0"/>
-              <a:t>, </a:t>
+              <a:t>      If you know the answer, </a:t>
             </a:r>
             <a:r>
               <a:rPr lang="en-US" sz="1000" dirty="0"/>
@@ -3631,7 +3615,6 @@
               <a:rPr lang="en-US" sz="1000" dirty="0" smtClean="0"/>
               <a:t>nswer question to navigate to the next section</a:t>
             </a:r>
-            <a:endParaRPr lang="en-US" sz="1000" dirty="0" smtClean="0"/>
           </a:p>
           <a:p>
             <a:pPr marL="171450" indent="-171450">
@@ -3840,8 +3823,8 @@
         </p:nvSpPr>
         <p:spPr>
           <a:xfrm>
-            <a:off x="14001" y="4591251"/>
-            <a:ext cx="4113320" cy="715089"/>
+            <a:off x="14000" y="4591251"/>
+            <a:ext cx="4224753" cy="715089"/>
           </a:xfrm>
           <a:prstGeom prst="wedgeRoundRectCallout">
             <a:avLst>
@@ -3867,11 +3850,7 @@
             </a:pPr>
             <a:r>
               <a:rPr lang="en-US" sz="1300" dirty="0" smtClean="0"/>
-              <a:t>Within-subjects study over 2 days with </a:t>
-            </a:r>
-            <a:r>
-              <a:rPr lang="en-US" sz="1300" dirty="0" smtClean="0"/>
-              <a:t>18 participants</a:t>
+              <a:t>Within-subjects design with 18 participants over 2 days</a:t>
             </a:r>
           </a:p>
           <a:p>
@@ -3921,7 +3900,7 @@
         </p:nvSpPr>
         <p:spPr>
           <a:xfrm>
-            <a:off x="134333" y="5736558"/>
+            <a:off x="101769" y="5736558"/>
             <a:ext cx="4104421" cy="261610"/>
           </a:xfrm>
           <a:prstGeom prst="rect">
@@ -3941,7 +3920,11 @@
             </a:pPr>
             <a:r>
               <a:rPr lang="en-US" sz="1100" dirty="0" smtClean="0"/>
-              <a:t>Exam scores showed improved retention on in-video questions</a:t>
+              <a:t>Exam scores showed improved retention on in-video </a:t>
+            </a:r>
+            <a:r>
+              <a:rPr lang="en-US" sz="1100" dirty="0" smtClean="0"/>
+              <a:t>questions</a:t>
             </a:r>
             <a:endParaRPr lang="en-US" sz="1100" dirty="0" smtClean="0"/>
           </a:p>
@@ -3955,8 +3938,8 @@
         </p:nvSpPr>
         <p:spPr>
           <a:xfrm>
-            <a:off x="4217253" y="5736558"/>
-            <a:ext cx="4821308" cy="261610"/>
+            <a:off x="4184688" y="5736558"/>
+            <a:ext cx="5063105" cy="261610"/>
           </a:xfrm>
           <a:prstGeom prst="rect">
             <a:avLst/>
@@ -3975,11 +3958,15 @@
             </a:pPr>
             <a:r>
               <a:rPr lang="en-US" sz="1100" dirty="0" smtClean="0"/>
-              <a:t>Logs showe</a:t>
+              <a:t>Users answered and reviewed </a:t>
             </a:r>
             <a:r>
               <a:rPr lang="en-US" sz="1100" dirty="0" smtClean="0"/>
-              <a:t>d that users answered and reviewed questions more with </a:t>
+              <a:t>each </a:t>
+            </a:r>
+            <a:r>
+              <a:rPr lang="en-US" sz="1100" dirty="0" smtClean="0"/>
+              <a:t>question more times when using </a:t>
             </a:r>
             <a:r>
               <a:rPr lang="en-US" sz="1100" dirty="0" err="1" smtClean="0"/>
@@ -4011,7 +3998,7 @@
         </p:blipFill>
         <p:spPr>
           <a:xfrm>
-            <a:off x="4238821" y="6007715"/>
+            <a:off x="4206257" y="6007715"/>
             <a:ext cx="4905179" cy="736311"/>
           </a:xfrm>
           <a:prstGeom prst="rect">
@@ -4074,23 +4061,7 @@
             </a:pPr>
             <a:r>
               <a:rPr lang="en-US" sz="1000" dirty="0" smtClean="0"/>
-              <a:t>       </a:t>
-            </a:r>
-            <a:r>
-              <a:rPr lang="en-US" sz="1000" dirty="0" smtClean="0"/>
-              <a:t>U</a:t>
-            </a:r>
-            <a:r>
-              <a:rPr lang="en-US" sz="1000" dirty="0" smtClean="0"/>
-              <a:t>nit exams, in-video quizzes, </a:t>
-            </a:r>
-            <a:r>
-              <a:rPr lang="en-US" sz="1000" dirty="0" smtClean="0"/>
-              <a:t>extra multiple-checkbox </a:t>
-            </a:r>
-            <a:r>
-              <a:rPr lang="en-US" sz="1000" dirty="0" smtClean="0"/>
-              <a:t>and free-response questions</a:t>
+              <a:t>       Unit exams, in-video quizzes, extra multiple-checkbox and free-response questions</a:t>
             </a:r>
             <a:endParaRPr lang="en-US" sz="1300" dirty="0" smtClean="0"/>
           </a:p>
@@ -4257,11 +4228,11 @@
             </a:r>
             <a:r>
               <a:rPr lang="en-US" sz="1700" dirty="0" smtClean="0"/>
-              <a:t>  5. </a:t>
+              <a:t>  5. Results: improved retention on in-video questions </a:t>
             </a:r>
             <a:r>
               <a:rPr lang="en-US" sz="1700" dirty="0" smtClean="0"/>
-              <a:t>Results: improved retention on in-video questions and more questions reviewed with </a:t>
+              <a:t>and more reviewing with </a:t>
             </a:r>
             <a:r>
               <a:rPr lang="en-US" sz="1700" dirty="0" err="1" smtClean="0"/>
@@ -4318,11 +4289,7 @@
             </a:r>
             <a:r>
               <a:rPr lang="en-US" sz="1700" dirty="0" smtClean="0"/>
-              <a:t>4. </a:t>
-            </a:r>
-            <a:r>
-              <a:rPr lang="en-US" sz="1700" dirty="0" smtClean="0"/>
-              <a:t>Study Procedure</a:t>
+              <a:t>4. Study Procedure</a:t>
             </a:r>
             <a:endParaRPr lang="en-US" sz="1700" dirty="0"/>
           </a:p>
